--- a/todays_menu.pptx
+++ b/todays_menu.pptx
@@ -3090,61 +3090,186 @@
       <p:grpSpPr/>
       <p:sp>
         <p:nvSpPr>
-          <p:cNvPr id="2" name="Title 1"/>
-          <p:cNvSpPr>
-            <a:spLocks noGrp="1"/>
-          </p:cNvSpPr>
-          <p:nvPr>
-            <p:ph type="title"/>
-          </p:nvPr>
-        </p:nvSpPr>
-        <p:spPr/>
-        <p:txBody>
-          <a:bodyPr/>
-          <a:lstStyle/>
-          <a:p>
-            <a:pPr algn="l"/>
+          <p:cNvPr id="2" name="TextBox 1"/>
+          <p:cNvSpPr txBox="1"/>
+          <p:nvPr/>
+        </p:nvSpPr>
+        <p:spPr>
+          <a:xfrm>
+            <a:off x="360000" y="360000"/>
+            <a:ext cx="9360000" cy="5760000"/>
+          </a:xfrm>
+          <a:prstGeom prst="rect">
+            <a:avLst/>
+          </a:prstGeom>
+          <a:noFill/>
+        </p:spPr>
+        <p:txBody>
+          <a:bodyPr wrap="none">
+            <a:spAutoFit/>
+          </a:bodyPr>
+          <a:lstStyle/>
+          <a:p>
+            <a:pPr>
+              <a:defRPr i="1" b="1" sz="6000"/>
+            </a:pPr>
             <a:r>
               <a:t>今日のお弁当(8/3火)</a:t>
             </a:r>
           </a:p>
-        </p:txBody>
-      </p:sp>
-      <p:sp>
-        <p:nvSpPr>
-          <p:cNvPr id="3" name="Content Placeholder 2"/>
-          <p:cNvSpPr>
-            <a:spLocks noGrp="1"/>
-          </p:cNvSpPr>
-          <p:nvPr>
-            <p:ph idx="1"/>
-          </p:nvPr>
-        </p:nvSpPr>
-        <p:spPr/>
-        <p:txBody>
-          <a:bodyPr/>
-          <a:lstStyle/>
-          <a:p>
-            <a:r>
-              <a:t>DXトンカツ弁当</a:t>
-            </a:r>
-          </a:p>
-          <a:p>
-            <a:r>
-              <a:t>DXメンチカツ弁当</a:t>
-            </a:r>
-          </a:p>
-          <a:p>
-            <a:r>
-              <a:t>ハンバーグカレー</a:t>
-            </a:r>
-          </a:p>
-          <a:p>
-            <a:r>
-              <a:t>鶏チャーハン</a:t>
-            </a:r>
-          </a:p>
-          <a:p/>
+          <a:p>
+            <a:pPr>
+              <a:defRPr b="1" sz="3800"/>
+            </a:pPr>
+            <a:r>
+              <a:t>1. ハンバーグ弁当</a:t>
+            </a:r>
+          </a:p>
+          <a:p>
+            <a:pPr>
+              <a:defRPr b="1" sz="3800"/>
+            </a:pPr>
+            <a:r>
+              <a:t>2. ササミカツ弁当</a:t>
+            </a:r>
+          </a:p>
+          <a:p>
+            <a:pPr>
+              <a:defRPr b="1" sz="3800"/>
+            </a:pPr>
+            <a:r>
+              <a:t>3. メンチカツ弁当</a:t>
+            </a:r>
+          </a:p>
+          <a:p>
+            <a:pPr>
+              <a:defRPr b="1" sz="3800"/>
+            </a:pPr>
+            <a:r>
+              <a:t>4. サバカラ弁当</a:t>
+            </a:r>
+          </a:p>
+          <a:p>
+            <a:pPr>
+              <a:defRPr b="1" sz="3800"/>
+            </a:pPr>
+            <a:r>
+              <a:t>5. シャケカラ弁当</a:t>
+            </a:r>
+          </a:p>
+          <a:p>
+            <a:pPr>
+              <a:defRPr b="1" sz="3800"/>
+            </a:pPr>
+            <a:r>
+              <a:t>6. カラアゲ弁当</a:t>
+            </a:r>
+          </a:p>
+          <a:p>
+            <a:pPr>
+              <a:defRPr b="1" sz="3800"/>
+            </a:pPr>
+            <a:r>
+              <a:t>7. </a:t>
+            </a:r>
+          </a:p>
+          <a:p>
+            <a:pPr>
+              <a:defRPr b="1" sz="3800"/>
+            </a:pPr>
+            <a:r>
+              <a:t>8. </a:t>
+            </a:r>
+          </a:p>
+          <a:p>
+            <a:pPr>
+              <a:defRPr b="1" sz="3800"/>
+            </a:pPr>
+            <a:r>
+              <a:t>9. </a:t>
+            </a:r>
+          </a:p>
+          <a:p>
+            <a:pPr>
+              <a:defRPr b="1" sz="3800"/>
+            </a:pPr>
+            <a:r>
+              <a:t>10. </a:t>
+            </a:r>
+          </a:p>
+        </p:txBody>
+      </p:sp>
+      <p:sp>
+        <p:nvSpPr>
+          <p:cNvPr id="3" name="TextBox 2"/>
+          <p:cNvSpPr txBox="1"/>
+          <p:nvPr/>
+        </p:nvSpPr>
+        <p:spPr>
+          <a:xfrm>
+            <a:off x="360000" y="5940000"/>
+            <a:ext cx="6480000" cy="720000"/>
+          </a:xfrm>
+          <a:prstGeom prst="rect">
+            <a:avLst/>
+          </a:prstGeom>
+          <a:noFill/>
+        </p:spPr>
+        <p:txBody>
+          <a:bodyPr wrap="none">
+            <a:spAutoFit/>
+          </a:bodyPr>
+          <a:lstStyle/>
+          <a:p>
+            <a:pPr>
+              <a:defRPr sz="2400"/>
+            </a:pPr>
+            <a:r>
+              <a:t>※カッコ書きが無いお弁当は、550円</a:t>
+            </a:r>
+          </a:p>
+        </p:txBody>
+      </p:sp>
+      <p:sp>
+        <p:nvSpPr>
+          <p:cNvPr id="4" name="TextBox 3"/>
+          <p:cNvSpPr txBox="1"/>
+          <p:nvPr/>
+        </p:nvSpPr>
+        <p:spPr>
+          <a:xfrm>
+            <a:off x="6660000" y="5940000"/>
+            <a:ext cx="2520000" cy="720000"/>
+          </a:xfrm>
+          <a:prstGeom prst="rect">
+            <a:avLst/>
+          </a:prstGeom>
+          <a:noFill/>
+        </p:spPr>
+        <p:txBody>
+          <a:bodyPr wrap="none">
+            <a:spAutoFit/>
+          </a:bodyPr>
+          <a:lstStyle/>
+          <a:p>
+            <a:pPr>
+              <a:defRPr sz="3200"/>
+            </a:pPr>
+            <a:r>
+              <a:t>笑</a:t>
+            </a:r>
+            <a:r>
+              <a:rPr>
+                <a:solidFill>
+                  <a:srgbClr val="FF0000"/>
+                </a:solidFill>
+              </a:rPr>
+              <a:t>楽</a:t>
+            </a:r>
+            <a:r>
+              <a:t>のお弁当</a:t>
+            </a:r>
+          </a:p>
         </p:txBody>
       </p:sp>
     </p:spTree>

--- a/todays_menu.pptx
+++ b/todays_menu.pptx
@@ -3122,7 +3122,7 @@
               <a:defRPr b="1" sz="3800"/>
             </a:pPr>
             <a:r>
-              <a:t>1. ハンバーグ弁当</a:t>
+              <a:t>1. DXハンバーグ弁当(650円)</a:t>
             </a:r>
           </a:p>
           <a:p>
@@ -3130,7 +3130,7 @@
               <a:defRPr b="1" sz="3800"/>
             </a:pPr>
             <a:r>
-              <a:t>2. ササミカツ弁当</a:t>
+              <a:t>2. DXメンチカツ弁当(650円)</a:t>
             </a:r>
           </a:p>
           <a:p>
@@ -3138,7 +3138,7 @@
               <a:defRPr b="1" sz="3800"/>
             </a:pPr>
             <a:r>
-              <a:t>3. メンチカツ弁当</a:t>
+              <a:t>3. カキフライ弁当</a:t>
             </a:r>
           </a:p>
           <a:p>
@@ -3146,7 +3146,7 @@
               <a:defRPr b="1" sz="3800"/>
             </a:pPr>
             <a:r>
-              <a:t>4. サバカラ弁当</a:t>
+              <a:t>4. 鶏チャーハン</a:t>
             </a:r>
           </a:p>
           <a:p>
@@ -3154,7 +3154,7 @@
               <a:defRPr b="1" sz="3800"/>
             </a:pPr>
             <a:r>
-              <a:t>5. シャケカラ弁当</a:t>
+              <a:t>5. 白身フライのり弁当(450円)</a:t>
             </a:r>
           </a:p>
           <a:p>
@@ -3162,7 +3162,7 @@
               <a:defRPr b="1" sz="3800"/>
             </a:pPr>
             <a:r>
-              <a:t>6. カラアゲ弁当</a:t>
+              <a:t>6. シャケカラ弁当</a:t>
             </a:r>
           </a:p>
           <a:p>
@@ -3170,7 +3170,7 @@
               <a:defRPr b="1" sz="3800"/>
             </a:pPr>
             <a:r>
-              <a:t>7. </a:t>
+              <a:t>7. サバカラ弁当</a:t>
             </a:r>
           </a:p>
           <a:p>
@@ -3178,7 +3178,7 @@
               <a:defRPr b="1" sz="3800"/>
             </a:pPr>
             <a:r>
-              <a:t>8. </a:t>
+              <a:t>8. カラアゲ弁当</a:t>
             </a:r>
           </a:p>
           <a:p>
@@ -3186,7 +3186,7 @@
               <a:defRPr b="1" sz="3800"/>
             </a:pPr>
             <a:r>
-              <a:t>9. </a:t>
+              <a:t>9. シャケ3色弁当(450円)</a:t>
             </a:r>
           </a:p>
           <a:p>
@@ -3194,7 +3194,7 @@
               <a:defRPr b="1" sz="3800"/>
             </a:pPr>
             <a:r>
-              <a:t>10. </a:t>
+              <a:t>10. 鶏そぼろ弁当(450円)</a:t>
             </a:r>
           </a:p>
         </p:txBody>

--- a/todays_menu.pptx
+++ b/todays_menu.pptx
@@ -3096,8 +3096,8 @@
         </p:nvSpPr>
         <p:spPr>
           <a:xfrm>
-            <a:off x="360000" y="360000"/>
-            <a:ext cx="9360000" cy="5760000"/>
+            <a:off x="108000" y="108000"/>
+            <a:ext cx="9360000" cy="1080000"/>
           </a:xfrm>
           <a:prstGeom prst="rect">
             <a:avLst/>
@@ -3117,91 +3117,42 @@
               <a:t>今日のお弁当(8/3火)</a:t>
             </a:r>
           </a:p>
+        </p:txBody>
+      </p:sp>
+      <p:sp>
+        <p:nvSpPr>
+          <p:cNvPr id="3" name="TextBox 2"/>
+          <p:cNvSpPr txBox="1"/>
+          <p:nvPr/>
+        </p:nvSpPr>
+        <p:spPr>
+          <a:xfrm>
+            <a:off x="360000" y="1260000"/>
+            <a:ext cx="9360000" cy="4680000"/>
+          </a:xfrm>
+          <a:prstGeom prst="rect">
+            <a:avLst/>
+          </a:prstGeom>
+          <a:noFill/>
+        </p:spPr>
+        <p:txBody>
+          <a:bodyPr wrap="none">
+            <a:spAutoFit/>
+          </a:bodyPr>
+          <a:lstStyle/>
           <a:p>
             <a:pPr>
               <a:defRPr b="1" sz="3800"/>
             </a:pPr>
             <a:r>
-              <a:t>1. DXハンバーグ弁当(650円)</a:t>
-            </a:r>
-          </a:p>
-          <a:p>
-            <a:pPr>
-              <a:defRPr b="1" sz="3800"/>
-            </a:pPr>
-            <a:r>
-              <a:t>2. DXメンチカツ弁当(650円)</a:t>
-            </a:r>
-          </a:p>
-          <a:p>
-            <a:pPr>
-              <a:defRPr b="1" sz="3800"/>
-            </a:pPr>
-            <a:r>
-              <a:t>3. カキフライ弁当</a:t>
-            </a:r>
-          </a:p>
-          <a:p>
-            <a:pPr>
-              <a:defRPr b="1" sz="3800"/>
-            </a:pPr>
-            <a:r>
-              <a:t>4. 鶏チャーハン</a:t>
-            </a:r>
-          </a:p>
-          <a:p>
-            <a:pPr>
-              <a:defRPr b="1" sz="3800"/>
-            </a:pPr>
-            <a:r>
-              <a:t>5. 白身フライのり弁当(450円)</a:t>
-            </a:r>
-          </a:p>
-          <a:p>
-            <a:pPr>
-              <a:defRPr b="1" sz="3800"/>
-            </a:pPr>
-            <a:r>
-              <a:t>6. シャケカラ弁当</a:t>
-            </a:r>
-          </a:p>
-          <a:p>
-            <a:pPr>
-              <a:defRPr b="1" sz="3800"/>
-            </a:pPr>
-            <a:r>
-              <a:t>7. サバカラ弁当</a:t>
-            </a:r>
-          </a:p>
-          <a:p>
-            <a:pPr>
-              <a:defRPr b="1" sz="3800"/>
-            </a:pPr>
-            <a:r>
-              <a:t>8. カラアゲ弁当</a:t>
-            </a:r>
-          </a:p>
-          <a:p>
-            <a:pPr>
-              <a:defRPr b="1" sz="3800"/>
-            </a:pPr>
-            <a:r>
-              <a:t>9. シャケ3色弁当(450円)</a:t>
-            </a:r>
-          </a:p>
-          <a:p>
-            <a:pPr>
-              <a:defRPr b="1" sz="3800"/>
-            </a:pPr>
-            <a:r>
-              <a:t>10. 鶏そぼろ弁当(450円)</a:t>
-            </a:r>
-          </a:p>
-        </p:txBody>
-      </p:sp>
-      <p:sp>
-        <p:nvSpPr>
-          <p:cNvPr id="3" name="TextBox 2"/>
+              <a:t>1. DXハンバーグ弁当</a:t>
+            </a:r>
+          </a:p>
+        </p:txBody>
+      </p:sp>
+      <p:sp>
+        <p:nvSpPr>
+          <p:cNvPr id="4" name="TextBox 3"/>
           <p:cNvSpPr txBox="1"/>
           <p:nvPr/>
         </p:nvSpPr>
@@ -3232,7 +3183,7 @@
       </p:sp>
       <p:sp>
         <p:nvSpPr>
-          <p:cNvPr id="4" name="TextBox 3"/>
+          <p:cNvPr id="5" name="TextBox 4"/>
           <p:cNvSpPr txBox="1"/>
           <p:nvPr/>
         </p:nvSpPr>

--- a/todays_menu.pptx
+++ b/todays_menu.pptx
@@ -3145,7 +3145,7 @@
               <a:defRPr b="1" sz="3800"/>
             </a:pPr>
             <a:r>
-              <a:t>1. DXハンバーグ弁当</a:t>
+              <a:t>1. ハンバーグカレー</a:t>
             </a:r>
           </a:p>
         </p:txBody>

--- a/todays_menu.pptx
+++ b/todays_menu.pptx
@@ -3145,7 +3145,15 @@
               <a:defRPr b="1" sz="3800"/>
             </a:pPr>
             <a:r>
-              <a:t>1. ハンバーグカレー</a:t>
+              <a:t>1. ハンバーグ弁当</a:t>
+            </a:r>
+          </a:p>
+          <a:p>
+            <a:pPr>
+              <a:defRPr b="1" sz="3800"/>
+            </a:pPr>
+            <a:r>
+              <a:t>2. カラアゲ弁当</a:t>
             </a:r>
           </a:p>
         </p:txBody>
